--- a/p-sem/Prasentation_P-Seminar.pptx
+++ b/p-sem/Prasentation_P-Seminar.pptx
@@ -5,10 +5,10 @@
     <p:sldMasterId id="2147483660" r:id="rId4"/>
   </p:sldMasterIdLst>
   <p:notesMasterIdLst>
-    <p:notesMasterId r:id="rId17"/>
+    <p:notesMasterId r:id="rId20"/>
   </p:notesMasterIdLst>
   <p:handoutMasterIdLst>
-    <p:handoutMasterId r:id="rId18"/>
+    <p:handoutMasterId r:id="rId21"/>
   </p:handoutMasterIdLst>
   <p:sldIdLst>
     <p:sldId id="278" r:id="rId5"/>
@@ -22,7 +22,10 @@
     <p:sldId id="286" r:id="rId13"/>
     <p:sldId id="287" r:id="rId14"/>
     <p:sldId id="288" r:id="rId15"/>
-    <p:sldId id="289" r:id="rId16"/>
+    <p:sldId id="290" r:id="rId16"/>
+    <p:sldId id="291" r:id="rId17"/>
+    <p:sldId id="292" r:id="rId18"/>
+    <p:sldId id="289" r:id="rId19"/>
   </p:sldIdLst>
   <p:sldSz cx="12192000" cy="6858000"/>
   <p:notesSz cx="6858000" cy="9144000"/>
@@ -280,7 +283,7 @@
           <a:p>
             <a:fld id="{6E2E3065-8A24-47C9-A843-0DFEC08A77C7}" type="slidenum">
               <a:rPr lang="de-DE" smtClean="0"/>
-              <a:t>‹Nr.›</a:t>
+              <a:t>‹#›</a:t>
             </a:fld>
             <a:endParaRPr lang="de-DE" dirty="0"/>
           </a:p>
@@ -543,7 +546,7 @@
             <a:pPr rtl="0"/>
             <a:fld id="{2E6DE88F-1F85-4A27-9D34-D74A50E7B0DA}" type="slidenum">
               <a:rPr lang="de-DE" noProof="0" smtClean="0"/>
-              <a:t>‹Nr.›</a:t>
+              <a:t>‹#›</a:t>
             </a:fld>
             <a:endParaRPr lang="de-DE" noProof="0" dirty="0"/>
           </a:p>
@@ -1115,8 +1118,8 @@
             <a:pPr rtl="0"/>
             <a:fld id="{3A98EE3D-8CD1-4C3F-BD1C-C98C9596463C}" type="slidenum">
               <a:rPr lang="de-DE" noProof="0" smtClean="0"/>
-              <a:pPr/>
-              <a:t>‹Nr.›</a:t>
+              <a:pPr rtl="0"/>
+              <a:t>‹#›</a:t>
             </a:fld>
             <a:endParaRPr lang="de-DE" noProof="0" dirty="0"/>
           </a:p>
@@ -1425,7 +1428,7 @@
             <a:pPr rtl="0"/>
             <a:fld id="{3A98EE3D-8CD1-4C3F-BD1C-C98C9596463C}" type="slidenum">
               <a:rPr lang="de-DE" noProof="0" smtClean="0"/>
-              <a:t>‹Nr.›</a:t>
+              <a:t>‹#›</a:t>
             </a:fld>
             <a:endParaRPr lang="de-DE" noProof="0" dirty="0"/>
           </a:p>
@@ -1623,7 +1626,7 @@
             <a:pPr rtl="0"/>
             <a:fld id="{3A98EE3D-8CD1-4C3F-BD1C-C98C9596463C}" type="slidenum">
               <a:rPr lang="de-DE" noProof="0" smtClean="0"/>
-              <a:t>‹Nr.›</a:t>
+              <a:t>‹#›</a:t>
             </a:fld>
             <a:endParaRPr lang="de-DE" noProof="0" dirty="0"/>
           </a:p>
@@ -1890,7 +1893,7 @@
             <a:pPr rtl="0"/>
             <a:fld id="{3A98EE3D-8CD1-4C3F-BD1C-C98C9596463C}" type="slidenum">
               <a:rPr lang="de-DE" noProof="0" smtClean="0"/>
-              <a:t>‹Nr.›</a:t>
+              <a:t>‹#›</a:t>
             </a:fld>
             <a:endParaRPr lang="de-DE" noProof="0" dirty="0"/>
           </a:p>
@@ -2330,7 +2333,7 @@
             <a:pPr rtl="0"/>
             <a:fld id="{3A98EE3D-8CD1-4C3F-BD1C-C98C9596463C}" type="slidenum">
               <a:rPr lang="de-DE" noProof="0" smtClean="0"/>
-              <a:t>‹Nr.›</a:t>
+              <a:t>‹#›</a:t>
             </a:fld>
             <a:endParaRPr lang="de-DE" noProof="0" dirty="0"/>
           </a:p>
@@ -2871,7 +2874,7 @@
             <a:pPr rtl="0"/>
             <a:fld id="{3A98EE3D-8CD1-4C3F-BD1C-C98C9596463C}" type="slidenum">
               <a:rPr lang="de-DE" noProof="0" smtClean="0"/>
-              <a:t>‹Nr.›</a:t>
+              <a:t>‹#›</a:t>
             </a:fld>
             <a:endParaRPr lang="de-DE" noProof="0" dirty="0"/>
           </a:p>
@@ -3760,7 +3763,7 @@
             <a:pPr rtl="0"/>
             <a:fld id="{3A98EE3D-8CD1-4C3F-BD1C-C98C9596463C}" type="slidenum">
               <a:rPr lang="de-DE" noProof="0" smtClean="0"/>
-              <a:t>‹Nr.›</a:t>
+              <a:t>‹#›</a:t>
             </a:fld>
             <a:endParaRPr lang="de-DE" noProof="0" dirty="0"/>
           </a:p>
@@ -3934,7 +3937,7 @@
             <a:pPr rtl="0"/>
             <a:fld id="{3A98EE3D-8CD1-4C3F-BD1C-C98C9596463C}" type="slidenum">
               <a:rPr lang="de-DE" noProof="0" smtClean="0"/>
-              <a:t>‹Nr.›</a:t>
+              <a:t>‹#›</a:t>
             </a:fld>
             <a:endParaRPr lang="de-DE" noProof="0" dirty="0"/>
           </a:p>
@@ -4182,8 +4185,8 @@
             <a:pPr rtl="0"/>
             <a:fld id="{3A98EE3D-8CD1-4C3F-BD1C-C98C9596463C}" type="slidenum">
               <a:rPr lang="de-DE" noProof="0" smtClean="0"/>
-              <a:pPr/>
-              <a:t>‹Nr.›</a:t>
+              <a:pPr rtl="0"/>
+              <a:t>‹#›</a:t>
             </a:fld>
             <a:endParaRPr lang="de-DE" noProof="0" dirty="0"/>
           </a:p>
@@ -4428,7 +4431,7 @@
             <a:pPr rtl="0"/>
             <a:fld id="{3A98EE3D-8CD1-4C3F-BD1C-C98C9596463C}" type="slidenum">
               <a:rPr lang="de-DE" noProof="0" smtClean="0"/>
-              <a:t>‹Nr.›</a:t>
+              <a:t>‹#›</a:t>
             </a:fld>
             <a:endParaRPr lang="de-DE" noProof="0" dirty="0"/>
           </a:p>
@@ -4915,7 +4918,7 @@
             <a:pPr rtl="0"/>
             <a:fld id="{3A98EE3D-8CD1-4C3F-BD1C-C98C9596463C}" type="slidenum">
               <a:rPr lang="de-DE" noProof="0" smtClean="0"/>
-              <a:t>‹Nr.›</a:t>
+              <a:t>‹#›</a:t>
             </a:fld>
             <a:endParaRPr lang="de-DE" noProof="0" dirty="0"/>
           </a:p>
@@ -5037,7 +5040,7 @@
             <a:pPr rtl="0"/>
             <a:fld id="{3A98EE3D-8CD1-4C3F-BD1C-C98C9596463C}" type="slidenum">
               <a:rPr lang="de-DE" noProof="0" smtClean="0"/>
-              <a:t>‹Nr.›</a:t>
+              <a:t>‹#›</a:t>
             </a:fld>
             <a:endParaRPr lang="de-DE" noProof="0" dirty="0"/>
           </a:p>
@@ -5135,7 +5138,7 @@
             <a:pPr rtl="0"/>
             <a:fld id="{3A98EE3D-8CD1-4C3F-BD1C-C98C9596463C}" type="slidenum">
               <a:rPr lang="de-DE" noProof="0" smtClean="0"/>
-              <a:t>‹Nr.›</a:t>
+              <a:t>‹#›</a:t>
             </a:fld>
             <a:endParaRPr lang="de-DE" noProof="0" dirty="0"/>
           </a:p>
@@ -5394,8 +5397,8 @@
             <a:pPr rtl="0"/>
             <a:fld id="{3A98EE3D-8CD1-4C3F-BD1C-C98C9596463C}" type="slidenum">
               <a:rPr lang="de-DE" noProof="0" smtClean="0"/>
-              <a:pPr/>
-              <a:t>‹Nr.›</a:t>
+              <a:pPr rtl="0"/>
+              <a:t>‹#›</a:t>
             </a:fld>
             <a:endParaRPr lang="de-DE" noProof="0" dirty="0"/>
           </a:p>
@@ -5706,7 +5709,7 @@
             <a:pPr rtl="0"/>
             <a:fld id="{3A98EE3D-8CD1-4C3F-BD1C-C98C9596463C}" type="slidenum">
               <a:rPr lang="de-DE" noProof="0" smtClean="0"/>
-              <a:t>‹Nr.›</a:t>
+              <a:t>‹#›</a:t>
             </a:fld>
             <a:endParaRPr lang="de-DE" noProof="0" dirty="0"/>
           </a:p>
@@ -5992,7 +5995,7 @@
             <a:pPr rtl="0"/>
             <a:fld id="{3A98EE3D-8CD1-4C3F-BD1C-C98C9596463C}" type="slidenum">
               <a:rPr lang="de-DE" noProof="0" smtClean="0"/>
-              <a:t>‹Nr.›</a:t>
+              <a:t>‹#›</a:t>
             </a:fld>
             <a:endParaRPr lang="de-DE" noProof="0" dirty="0"/>
           </a:p>
@@ -6818,7 +6821,7 @@
           </a:effectLst>
           <a:extLst>
             <a:ext uri="{91240B29-F687-4f45-9708-019B960494DF}">
-              <a14:hiddenLine xmlns:p14="http://schemas.microsoft.com/office/powerpoint/2010/main" xmlns:a16="http://schemas.microsoft.com/office/drawing/2014/main" xmlns:a14="http://schemas.microsoft.com/office/drawing/2010/main" xmlns="" w="9525">
+              <a14:hiddenLine xmlns="" xmlns:a14="http://schemas.microsoft.com/office/drawing/2010/main" xmlns:a16="http://schemas.microsoft.com/office/drawing/2014/main" xmlns:p14="http://schemas.microsoft.com/office/powerpoint/2010/main" w="9525">
                 <a:solidFill>
                   <a:srgbClr val="000000"/>
                 </a:solidFill>
@@ -6901,7 +6904,9 @@
           <a:p>
             <a:pPr algn="l"/>
             <a:r>
-              <a:rPr lang="de-DE" sz="4000" b="1" dirty="0"/>
+              <a:rPr lang="de-DE" sz="4000" b="1" dirty="0">
+                <a:latin typeface="Avenir Next LT Pro" panose="020B0504020202020204" pitchFamily="34" charset="0"/>
+              </a:rPr>
               <a:t>Süßigkeiten-Automat</a:t>
             </a:r>
           </a:p>
@@ -6937,26 +6942,36 @@
           <a:p>
             <a:pPr algn="l" rtl="0"/>
             <a:r>
-              <a:rPr lang="de-DE" dirty="0"/>
+              <a:rPr lang="de-DE" dirty="0">
+                <a:latin typeface="Avenir Next LT Pro" panose="020B0604020202020204" pitchFamily="34" charset="0"/>
+              </a:rPr>
               <a:t>Oliver </a:t>
             </a:r>
             <a:r>
-              <a:rPr lang="de-DE" dirty="0" err="1"/>
+              <a:rPr lang="de-DE" dirty="0" err="1">
+                <a:latin typeface="Avenir Next LT Pro" panose="020B0604020202020204" pitchFamily="34" charset="0"/>
+              </a:rPr>
               <a:t>Ilczuk</a:t>
             </a:r>
-            <a:endParaRPr lang="de-DE" dirty="0"/>
+            <a:endParaRPr lang="de-DE" dirty="0">
+              <a:latin typeface="Avenir Next LT Pro" panose="020B0604020202020204" pitchFamily="34" charset="0"/>
+            </a:endParaRPr>
           </a:p>
           <a:p>
             <a:pPr algn="l" rtl="0"/>
             <a:r>
-              <a:rPr lang="de-DE" dirty="0"/>
+              <a:rPr lang="de-DE" dirty="0">
+                <a:latin typeface="Avenir Next LT Pro" panose="020B0604020202020204" pitchFamily="34" charset="0"/>
+              </a:rPr>
               <a:t>Hendrik Günster</a:t>
             </a:r>
           </a:p>
           <a:p>
             <a:pPr algn="l" rtl="0"/>
             <a:r>
-              <a:rPr lang="de-DE" dirty="0"/>
+              <a:rPr lang="de-DE" dirty="0">
+                <a:latin typeface="Avenir Next LT Pro" panose="020B0604020202020204" pitchFamily="34" charset="0"/>
+              </a:rPr>
               <a:t>Timo Katzenberger</a:t>
             </a:r>
           </a:p>
@@ -6976,8 +6991,8 @@
         </p:nvSpPr>
         <p:spPr>
           <a:xfrm>
-            <a:off x="10176588" y="6437713"/>
-            <a:ext cx="2015412" cy="369332"/>
+            <a:off x="9949343" y="6437713"/>
+            <a:ext cx="2242657" cy="369332"/>
           </a:xfrm>
           <a:prstGeom prst="rect">
             <a:avLst/>
@@ -6995,6 +7010,7 @@
                 <a:solidFill>
                   <a:schemeClr val="bg1"/>
                 </a:solidFill>
+                <a:latin typeface="Avenir Next LT Pro" panose="020B0504020202020204" pitchFamily="34" charset="0"/>
               </a:rPr>
               <a:t>P-Seminar Robotik</a:t>
             </a:r>
@@ -7183,12 +7199,44 @@
           <a:lstStyle/>
           <a:p>
             <a:r>
-              <a:rPr lang="de-DE" sz="3200" b="1" dirty="0"/>
+              <a:rPr lang="de-DE" sz="3200" b="1" dirty="0">
+                <a:latin typeface="Avenir Next LT Pro" panose="020B0504020202020204" pitchFamily="34" charset="0"/>
+              </a:rPr>
               <a:t>5. Programm</a:t>
             </a:r>
           </a:p>
         </p:txBody>
       </p:sp>
+      <p:pic>
+        <p:nvPicPr>
+          <p:cNvPr id="3" name="Picture 2" descr="A person taking a picture of a person sitting at a computer&#10;&#10;Description automatically generated with low confidence">
+            <a:extLst>
+              <a:ext uri="{FF2B5EF4-FFF2-40B4-BE49-F238E27FC236}">
+                <a16:creationId xmlns:a16="http://schemas.microsoft.com/office/drawing/2014/main" id="{00E555E7-7ACD-CAB6-56DF-3D6186F56C00}"/>
+              </a:ext>
+            </a:extLst>
+          </p:cNvPr>
+          <p:cNvPicPr>
+            <a:picLocks noChangeAspect="1"/>
+          </p:cNvPicPr>
+          <p:nvPr/>
+        </p:nvPicPr>
+        <p:blipFill>
+          <a:blip r:embed="rId2"/>
+          <a:stretch>
+            <a:fillRect/>
+          </a:stretch>
+        </p:blipFill>
+        <p:spPr>
+          <a:xfrm>
+            <a:off x="3181926" y="1488181"/>
+            <a:ext cx="5828147" cy="3881637"/>
+          </a:xfrm>
+          <a:prstGeom prst="rect">
+            <a:avLst/>
+          </a:prstGeom>
+        </p:spPr>
+      </p:pic>
     </p:spTree>
     <p:extLst>
       <p:ext uri="{BB962C8B-B14F-4D97-AF65-F5344CB8AC3E}">
@@ -7224,6 +7272,533 @@
           <p:cNvPr id="4" name="Textfeld 3">
             <a:extLst>
               <a:ext uri="{FF2B5EF4-FFF2-40B4-BE49-F238E27FC236}">
+                <a16:creationId xmlns:a16="http://schemas.microsoft.com/office/drawing/2014/main" id="{8CA56F4F-C469-282B-21C9-FC14251B40BE}"/>
+              </a:ext>
+            </a:extLst>
+          </p:cNvPr>
+          <p:cNvSpPr txBox="1"/>
+          <p:nvPr/>
+        </p:nvSpPr>
+        <p:spPr>
+          <a:xfrm>
+            <a:off x="765313" y="397565"/>
+            <a:ext cx="5115369" cy="584775"/>
+          </a:xfrm>
+          <a:prstGeom prst="rect">
+            <a:avLst/>
+          </a:prstGeom>
+          <a:noFill/>
+        </p:spPr>
+        <p:txBody>
+          <a:bodyPr wrap="square" rtlCol="0">
+            <a:spAutoFit/>
+          </a:bodyPr>
+          <a:lstStyle/>
+          <a:p>
+            <a:r>
+              <a:rPr lang="de-DE" sz="3200" b="1" dirty="0">
+                <a:latin typeface="Avenir Next LT Pro" panose="020B0504020202020204" pitchFamily="34" charset="0"/>
+              </a:rPr>
+              <a:t>5. Programm: Aufbau</a:t>
+            </a:r>
+          </a:p>
+        </p:txBody>
+      </p:sp>
+      <p:pic>
+        <p:nvPicPr>
+          <p:cNvPr id="17" name="Picture 16" descr="Diagram&#10;&#10;Description automatically generated">
+            <a:extLst>
+              <a:ext uri="{FF2B5EF4-FFF2-40B4-BE49-F238E27FC236}">
+                <a16:creationId xmlns:a16="http://schemas.microsoft.com/office/drawing/2014/main" id="{08B03A03-2B25-D8F2-1AF2-D41DA1F74CE0}"/>
+              </a:ext>
+            </a:extLst>
+          </p:cNvPr>
+          <p:cNvPicPr>
+            <a:picLocks noChangeAspect="1"/>
+          </p:cNvPicPr>
+          <p:nvPr/>
+        </p:nvPicPr>
+        <p:blipFill>
+          <a:blip r:embed="rId2"/>
+          <a:stretch>
+            <a:fillRect/>
+          </a:stretch>
+        </p:blipFill>
+        <p:spPr>
+          <a:xfrm>
+            <a:off x="2776537" y="982340"/>
+            <a:ext cx="6638925" cy="5761876"/>
+          </a:xfrm>
+          <a:prstGeom prst="rect">
+            <a:avLst/>
+          </a:prstGeom>
+        </p:spPr>
+      </p:pic>
+    </p:spTree>
+    <p:extLst>
+      <p:ext uri="{BB962C8B-B14F-4D97-AF65-F5344CB8AC3E}">
+        <p14:creationId xmlns:p14="http://schemas.microsoft.com/office/powerpoint/2010/main" val="3692995413"/>
+      </p:ext>
+    </p:extLst>
+  </p:cSld>
+  <p:clrMapOvr>
+    <a:masterClrMapping/>
+  </p:clrMapOvr>
+</p:sld>
+</file>
+
+<file path=ppt/slides/slide13.xml><?xml version="1.0" encoding="utf-8"?>
+<p:sld xmlns:a="http://schemas.openxmlformats.org/drawingml/2006/main" xmlns:r="http://schemas.openxmlformats.org/officeDocument/2006/relationships" xmlns:p="http://schemas.openxmlformats.org/presentationml/2006/main">
+  <p:cSld>
+    <p:spTree>
+      <p:nvGrpSpPr>
+        <p:cNvPr id="1" name=""/>
+        <p:cNvGrpSpPr/>
+        <p:nvPr/>
+      </p:nvGrpSpPr>
+      <p:grpSpPr>
+        <a:xfrm>
+          <a:off x="0" y="0"/>
+          <a:ext cx="0" cy="0"/>
+          <a:chOff x="0" y="0"/>
+          <a:chExt cx="0" cy="0"/>
+        </a:xfrm>
+      </p:grpSpPr>
+      <p:sp>
+        <p:nvSpPr>
+          <p:cNvPr id="4" name="Textfeld 3">
+            <a:extLst>
+              <a:ext uri="{FF2B5EF4-FFF2-40B4-BE49-F238E27FC236}">
+                <a16:creationId xmlns:a16="http://schemas.microsoft.com/office/drawing/2014/main" id="{8CA56F4F-C469-282B-21C9-FC14251B40BE}"/>
+              </a:ext>
+            </a:extLst>
+          </p:cNvPr>
+          <p:cNvSpPr txBox="1"/>
+          <p:nvPr/>
+        </p:nvSpPr>
+        <p:spPr>
+          <a:xfrm>
+            <a:off x="765314" y="397565"/>
+            <a:ext cx="4955978" cy="584775"/>
+          </a:xfrm>
+          <a:prstGeom prst="rect">
+            <a:avLst/>
+          </a:prstGeom>
+          <a:noFill/>
+        </p:spPr>
+        <p:txBody>
+          <a:bodyPr wrap="square" rtlCol="0">
+            <a:spAutoFit/>
+          </a:bodyPr>
+          <a:lstStyle/>
+          <a:p>
+            <a:r>
+              <a:rPr lang="de-DE" sz="3200" b="1" dirty="0">
+                <a:latin typeface="Avenir Next LT Pro" panose="020B0504020202020204" pitchFamily="34" charset="0"/>
+              </a:rPr>
+              <a:t>5. Programm: Auszüge</a:t>
+            </a:r>
+          </a:p>
+        </p:txBody>
+      </p:sp>
+      <p:pic>
+        <p:nvPicPr>
+          <p:cNvPr id="10" name="Picture 9">
+            <a:extLst>
+              <a:ext uri="{FF2B5EF4-FFF2-40B4-BE49-F238E27FC236}">
+                <a16:creationId xmlns:a16="http://schemas.microsoft.com/office/drawing/2014/main" id="{4EC33547-9B70-4B7F-FE10-F11B03C91B05}"/>
+              </a:ext>
+            </a:extLst>
+          </p:cNvPr>
+          <p:cNvPicPr>
+            <a:picLocks noChangeAspect="1"/>
+          </p:cNvPicPr>
+          <p:nvPr/>
+        </p:nvPicPr>
+        <p:blipFill>
+          <a:blip r:embed="rId2"/>
+          <a:stretch>
+            <a:fillRect/>
+          </a:stretch>
+        </p:blipFill>
+        <p:spPr>
+          <a:xfrm>
+            <a:off x="765314" y="1859596"/>
+            <a:ext cx="4679141" cy="1048930"/>
+          </a:xfrm>
+          <a:prstGeom prst="rect">
+            <a:avLst/>
+          </a:prstGeom>
+        </p:spPr>
+      </p:pic>
+      <p:pic>
+        <p:nvPicPr>
+          <p:cNvPr id="19" name="Picture 18">
+            <a:extLst>
+              <a:ext uri="{FF2B5EF4-FFF2-40B4-BE49-F238E27FC236}">
+                <a16:creationId xmlns:a16="http://schemas.microsoft.com/office/drawing/2014/main" id="{35F14267-1121-511F-7A48-30A23C4FB8FD}"/>
+              </a:ext>
+            </a:extLst>
+          </p:cNvPr>
+          <p:cNvPicPr>
+            <a:picLocks noChangeAspect="1"/>
+          </p:cNvPicPr>
+          <p:nvPr/>
+        </p:nvPicPr>
+        <p:blipFill>
+          <a:blip r:embed="rId3"/>
+          <a:stretch>
+            <a:fillRect/>
+          </a:stretch>
+        </p:blipFill>
+        <p:spPr>
+          <a:xfrm>
+            <a:off x="3837848" y="3097641"/>
+            <a:ext cx="3515216" cy="3362794"/>
+          </a:xfrm>
+          <a:prstGeom prst="rect">
+            <a:avLst/>
+          </a:prstGeom>
+        </p:spPr>
+      </p:pic>
+      <p:pic>
+        <p:nvPicPr>
+          <p:cNvPr id="21" name="Picture 20">
+            <a:extLst>
+              <a:ext uri="{FF2B5EF4-FFF2-40B4-BE49-F238E27FC236}">
+                <a16:creationId xmlns:a16="http://schemas.microsoft.com/office/drawing/2014/main" id="{8DDAB808-8530-3C06-5E18-B131285EA423}"/>
+              </a:ext>
+            </a:extLst>
+          </p:cNvPr>
+          <p:cNvPicPr>
+            <a:picLocks noChangeAspect="1"/>
+          </p:cNvPicPr>
+          <p:nvPr/>
+        </p:nvPicPr>
+        <p:blipFill>
+          <a:blip r:embed="rId4"/>
+          <a:stretch>
+            <a:fillRect/>
+          </a:stretch>
+        </p:blipFill>
+        <p:spPr>
+          <a:xfrm>
+            <a:off x="5567493" y="1859597"/>
+            <a:ext cx="6244206" cy="1045130"/>
+          </a:xfrm>
+          <a:prstGeom prst="rect">
+            <a:avLst/>
+          </a:prstGeom>
+        </p:spPr>
+      </p:pic>
+    </p:spTree>
+    <p:extLst>
+      <p:ext uri="{BB962C8B-B14F-4D97-AF65-F5344CB8AC3E}">
+        <p14:creationId xmlns:p14="http://schemas.microsoft.com/office/powerpoint/2010/main" val="3834161545"/>
+      </p:ext>
+    </p:extLst>
+  </p:cSld>
+  <p:clrMapOvr>
+    <a:masterClrMapping/>
+  </p:clrMapOvr>
+</p:sld>
+</file>
+
+<file path=ppt/slides/slide14.xml><?xml version="1.0" encoding="utf-8"?>
+<p:sld xmlns:a="http://schemas.openxmlformats.org/drawingml/2006/main" xmlns:r="http://schemas.openxmlformats.org/officeDocument/2006/relationships" xmlns:p="http://schemas.openxmlformats.org/presentationml/2006/main">
+  <p:cSld>
+    <p:spTree>
+      <p:nvGrpSpPr>
+        <p:cNvPr id="1" name=""/>
+        <p:cNvGrpSpPr/>
+        <p:nvPr/>
+      </p:nvGrpSpPr>
+      <p:grpSpPr>
+        <a:xfrm>
+          <a:off x="0" y="0"/>
+          <a:ext cx="0" cy="0"/>
+          <a:chOff x="0" y="0"/>
+          <a:chExt cx="0" cy="0"/>
+        </a:xfrm>
+      </p:grpSpPr>
+      <p:sp>
+        <p:nvSpPr>
+          <p:cNvPr id="4" name="Textfeld 3">
+            <a:extLst>
+              <a:ext uri="{FF2B5EF4-FFF2-40B4-BE49-F238E27FC236}">
+                <a16:creationId xmlns:a16="http://schemas.microsoft.com/office/drawing/2014/main" id="{8CA56F4F-C469-282B-21C9-FC14251B40BE}"/>
+              </a:ext>
+            </a:extLst>
+          </p:cNvPr>
+          <p:cNvSpPr txBox="1"/>
+          <p:nvPr/>
+        </p:nvSpPr>
+        <p:spPr>
+          <a:xfrm>
+            <a:off x="765313" y="397565"/>
+            <a:ext cx="5509652" cy="584775"/>
+          </a:xfrm>
+          <a:prstGeom prst="rect">
+            <a:avLst/>
+          </a:prstGeom>
+          <a:noFill/>
+        </p:spPr>
+        <p:txBody>
+          <a:bodyPr wrap="square" rtlCol="0">
+            <a:spAutoFit/>
+          </a:bodyPr>
+          <a:lstStyle/>
+          <a:p>
+            <a:r>
+              <a:rPr lang="de-DE" sz="3200" b="1" dirty="0">
+                <a:latin typeface="Avenir Next LT Pro" panose="020B0504020202020204" pitchFamily="34" charset="0"/>
+              </a:rPr>
+              <a:t>5. Programm: Highlights</a:t>
+            </a:r>
+          </a:p>
+        </p:txBody>
+      </p:sp>
+      <p:sp>
+        <p:nvSpPr>
+          <p:cNvPr id="2" name="TextBox 1">
+            <a:extLst>
+              <a:ext uri="{FF2B5EF4-FFF2-40B4-BE49-F238E27FC236}">
+                <a16:creationId xmlns:a16="http://schemas.microsoft.com/office/drawing/2014/main" id="{2A45806F-4D8B-6736-A892-9D0995DDD642}"/>
+              </a:ext>
+            </a:extLst>
+          </p:cNvPr>
+          <p:cNvSpPr txBox="1"/>
+          <p:nvPr/>
+        </p:nvSpPr>
+        <p:spPr>
+          <a:xfrm>
+            <a:off x="1370202" y="2505670"/>
+            <a:ext cx="7085902" cy="1015663"/>
+          </a:xfrm>
+          <a:prstGeom prst="rect">
+            <a:avLst/>
+          </a:prstGeom>
+          <a:noFill/>
+        </p:spPr>
+        <p:txBody>
+          <a:bodyPr wrap="square" rtlCol="0">
+            <a:spAutoFit/>
+          </a:bodyPr>
+          <a:lstStyle/>
+          <a:p>
+            <a:pPr marL="285750" indent="-285750">
+              <a:buFont typeface="Arial" panose="020B0604020202020204" pitchFamily="34" charset="0"/>
+              <a:buChar char="•"/>
+            </a:pPr>
+            <a:r>
+              <a:rPr lang="de-DE" sz="2000" dirty="0">
+                <a:latin typeface="Avenir Next LT Pro" panose="020B0504020202020204" pitchFamily="34" charset="0"/>
+              </a:rPr>
+              <a:t>C </a:t>
+            </a:r>
+            <a:r>
+              <a:rPr lang="en-US" sz="2000" dirty="0" err="1">
+                <a:latin typeface="Avenir Next LT Pro" panose="020B0504020202020204" pitchFamily="34" charset="0"/>
+              </a:rPr>
+              <a:t>statt</a:t>
+            </a:r>
+            <a:r>
+              <a:rPr lang="en-US" sz="2000" dirty="0">
+                <a:latin typeface="Avenir Next LT Pro" panose="020B0504020202020204" pitchFamily="34" charset="0"/>
+              </a:rPr>
+              <a:t> Lego Mindstorms Program, </a:t>
+            </a:r>
+            <a:r>
+              <a:rPr lang="en-US" sz="2000" dirty="0" err="1">
+                <a:latin typeface="Avenir Next LT Pro" panose="020B0504020202020204" pitchFamily="34" charset="0"/>
+              </a:rPr>
+              <a:t>Fluch</a:t>
+            </a:r>
+            <a:r>
+              <a:rPr lang="en-US" sz="2000" dirty="0">
+                <a:latin typeface="Avenir Next LT Pro" panose="020B0504020202020204" pitchFamily="34" charset="0"/>
+              </a:rPr>
+              <a:t> </a:t>
+            </a:r>
+            <a:r>
+              <a:rPr lang="en-US" sz="2000" dirty="0" err="1">
+                <a:latin typeface="Avenir Next LT Pro" panose="020B0504020202020204" pitchFamily="34" charset="0"/>
+              </a:rPr>
+              <a:t>oder</a:t>
+            </a:r>
+            <a:r>
+              <a:rPr lang="en-US" sz="2000" dirty="0">
+                <a:latin typeface="Avenir Next LT Pro" panose="020B0504020202020204" pitchFamily="34" charset="0"/>
+              </a:rPr>
+              <a:t> </a:t>
+            </a:r>
+            <a:r>
+              <a:rPr lang="en-US" sz="2000" dirty="0" err="1">
+                <a:latin typeface="Avenir Next LT Pro" panose="020B0504020202020204" pitchFamily="34" charset="0"/>
+              </a:rPr>
+              <a:t>Segen</a:t>
+            </a:r>
+            <a:r>
+              <a:rPr lang="en-US" sz="2000" dirty="0">
+                <a:latin typeface="Avenir Next LT Pro" panose="020B0504020202020204" pitchFamily="34" charset="0"/>
+              </a:rPr>
+              <a:t>?</a:t>
+            </a:r>
+          </a:p>
+          <a:p>
+            <a:pPr marL="285750" indent="-285750">
+              <a:buFont typeface="Arial" panose="020B0604020202020204" pitchFamily="34" charset="0"/>
+              <a:buChar char="•"/>
+            </a:pPr>
+            <a:r>
+              <a:rPr lang="en-US" sz="2000" dirty="0">
+                <a:latin typeface="Avenir Next LT Pro" panose="020B0504020202020204" pitchFamily="34" charset="0"/>
+              </a:rPr>
+              <a:t>Lego </a:t>
+            </a:r>
+            <a:r>
+              <a:rPr lang="en-US" sz="2000" dirty="0" err="1">
+                <a:latin typeface="Avenir Next LT Pro" panose="020B0504020202020204" pitchFamily="34" charset="0"/>
+              </a:rPr>
+              <a:t>Farbsensor</a:t>
+            </a:r>
+            <a:r>
+              <a:rPr lang="en-US" sz="2000" dirty="0">
+                <a:latin typeface="Avenir Next LT Pro" panose="020B0504020202020204" pitchFamily="34" charset="0"/>
+              </a:rPr>
+              <a:t> </a:t>
+            </a:r>
+            <a:r>
+              <a:rPr lang="en-US" sz="2000" dirty="0">
+                <a:latin typeface="Avenir Next LT Pro" panose="020B0504020202020204" pitchFamily="34" charset="0"/>
+                <a:sym typeface="Wingdings" panose="05000000000000000000" pitchFamily="2" charset="2"/>
+              </a:rPr>
+              <a:t> </a:t>
+            </a:r>
+            <a:r>
+              <a:rPr lang="en-US" sz="2000" dirty="0" err="1">
+                <a:latin typeface="Avenir Next LT Pro" panose="020B0504020202020204" pitchFamily="34" charset="0"/>
+                <a:sym typeface="Wingdings" panose="05000000000000000000" pitchFamily="2" charset="2"/>
+              </a:rPr>
+              <a:t>gro</a:t>
+            </a:r>
+            <a:r>
+              <a:rPr lang="de-DE" sz="2000" dirty="0" err="1">
+                <a:latin typeface="Avenir Next LT Pro" panose="020B0504020202020204" pitchFamily="34" charset="0"/>
+                <a:sym typeface="Wingdings" panose="05000000000000000000" pitchFamily="2" charset="2"/>
+              </a:rPr>
+              <a:t>ßes</a:t>
+            </a:r>
+            <a:r>
+              <a:rPr lang="de-DE" sz="2000" dirty="0">
+                <a:latin typeface="Avenir Next LT Pro" panose="020B0504020202020204" pitchFamily="34" charset="0"/>
+                <a:sym typeface="Wingdings" panose="05000000000000000000" pitchFamily="2" charset="2"/>
+              </a:rPr>
+              <a:t> Hindernis</a:t>
+            </a:r>
+          </a:p>
+          <a:p>
+            <a:pPr marL="285750" indent="-285750">
+              <a:buFont typeface="Arial" panose="020B0604020202020204" pitchFamily="34" charset="0"/>
+              <a:buChar char="•"/>
+            </a:pPr>
+            <a:r>
+              <a:rPr lang="en-US" sz="2000" dirty="0">
+                <a:latin typeface="Avenir Next LT Pro" panose="020B0504020202020204" pitchFamily="34" charset="0"/>
+                <a:sym typeface="Wingdings" panose="05000000000000000000" pitchFamily="2" charset="2"/>
+              </a:rPr>
+              <a:t>3D Drucker </a:t>
+            </a:r>
+            <a:r>
+              <a:rPr lang="en-US" sz="2000" dirty="0" err="1">
+                <a:latin typeface="Avenir Next LT Pro" panose="020B0504020202020204" pitchFamily="34" charset="0"/>
+                <a:sym typeface="Wingdings" panose="05000000000000000000" pitchFamily="2" charset="2"/>
+              </a:rPr>
+              <a:t>meines</a:t>
+            </a:r>
+            <a:r>
+              <a:rPr lang="en-US" sz="2000" dirty="0">
+                <a:latin typeface="Avenir Next LT Pro" panose="020B0504020202020204" pitchFamily="34" charset="0"/>
+                <a:sym typeface="Wingdings" panose="05000000000000000000" pitchFamily="2" charset="2"/>
+              </a:rPr>
+              <a:t> </a:t>
+            </a:r>
+            <a:r>
+              <a:rPr lang="en-US" sz="2000" dirty="0" err="1">
+                <a:latin typeface="Avenir Next LT Pro" panose="020B0504020202020204" pitchFamily="34" charset="0"/>
+                <a:sym typeface="Wingdings" panose="05000000000000000000" pitchFamily="2" charset="2"/>
+              </a:rPr>
+              <a:t>Bruders</a:t>
+            </a:r>
+            <a:r>
+              <a:rPr lang="en-US" sz="2000" dirty="0">
+                <a:latin typeface="Avenir Next LT Pro" panose="020B0504020202020204" pitchFamily="34" charset="0"/>
+                <a:sym typeface="Wingdings" panose="05000000000000000000" pitchFamily="2" charset="2"/>
+              </a:rPr>
+              <a:t> </a:t>
+            </a:r>
+            <a:r>
+              <a:rPr lang="en-US" sz="2000" dirty="0" err="1">
+                <a:latin typeface="Avenir Next LT Pro" panose="020B0504020202020204" pitchFamily="34" charset="0"/>
+                <a:sym typeface="Wingdings" panose="05000000000000000000" pitchFamily="2" charset="2"/>
+              </a:rPr>
+              <a:t>als</a:t>
+            </a:r>
+            <a:r>
+              <a:rPr lang="en-US" sz="2000" dirty="0">
+                <a:latin typeface="Avenir Next LT Pro" panose="020B0504020202020204" pitchFamily="34" charset="0"/>
+                <a:sym typeface="Wingdings" panose="05000000000000000000" pitchFamily="2" charset="2"/>
+              </a:rPr>
+              <a:t> </a:t>
+            </a:r>
+            <a:r>
+              <a:rPr lang="en-US" sz="2000" dirty="0" err="1">
+                <a:latin typeface="Avenir Next LT Pro" panose="020B0504020202020204" pitchFamily="34" charset="0"/>
+                <a:sym typeface="Wingdings" panose="05000000000000000000" pitchFamily="2" charset="2"/>
+              </a:rPr>
+              <a:t>Rettung</a:t>
+            </a:r>
+            <a:endParaRPr lang="en-US" sz="2000" dirty="0">
+              <a:latin typeface="Avenir Next LT Pro" panose="020B0504020202020204" pitchFamily="34" charset="0"/>
+            </a:endParaRPr>
+          </a:p>
+        </p:txBody>
+      </p:sp>
+    </p:spTree>
+    <p:extLst>
+      <p:ext uri="{BB962C8B-B14F-4D97-AF65-F5344CB8AC3E}">
+        <p14:creationId xmlns:p14="http://schemas.microsoft.com/office/powerpoint/2010/main" val="3329830926"/>
+      </p:ext>
+    </p:extLst>
+  </p:cSld>
+  <p:clrMapOvr>
+    <a:masterClrMapping/>
+  </p:clrMapOvr>
+</p:sld>
+</file>
+
+<file path=ppt/slides/slide15.xml><?xml version="1.0" encoding="utf-8"?>
+<p:sld xmlns:a="http://schemas.openxmlformats.org/drawingml/2006/main" xmlns:r="http://schemas.openxmlformats.org/officeDocument/2006/relationships" xmlns:p="http://schemas.openxmlformats.org/presentationml/2006/main">
+  <p:cSld>
+    <p:spTree>
+      <p:nvGrpSpPr>
+        <p:cNvPr id="1" name=""/>
+        <p:cNvGrpSpPr/>
+        <p:nvPr/>
+      </p:nvGrpSpPr>
+      <p:grpSpPr>
+        <a:xfrm>
+          <a:off x="0" y="0"/>
+          <a:ext cx="0" cy="0"/>
+          <a:chOff x="0" y="0"/>
+          <a:chExt cx="0" cy="0"/>
+        </a:xfrm>
+      </p:grpSpPr>
+      <p:sp>
+        <p:nvSpPr>
+          <p:cNvPr id="4" name="Textfeld 3">
+            <a:extLst>
+              <a:ext uri="{FF2B5EF4-FFF2-40B4-BE49-F238E27FC236}">
                 <a16:creationId xmlns:a16="http://schemas.microsoft.com/office/drawing/2014/main" id="{1AE25083-B11C-A9F9-2679-F660969818CB}"/>
               </a:ext>
             </a:extLst>
@@ -7233,8 +7808,8 @@
         </p:nvSpPr>
         <p:spPr>
           <a:xfrm>
-            <a:off x="2393674" y="1536174"/>
-            <a:ext cx="7404652" cy="3785652"/>
+            <a:off x="1701574" y="1536174"/>
+            <a:ext cx="8788851" cy="3785652"/>
           </a:xfrm>
           <a:prstGeom prst="rect">
             <a:avLst/>
@@ -7249,7 +7824,9 @@
           <a:p>
             <a:pPr algn="ctr"/>
             <a:r>
-              <a:rPr lang="de-DE" sz="8000" b="1" dirty="0"/>
+              <a:rPr lang="de-DE" sz="8000" b="1" dirty="0">
+                <a:latin typeface="Avenir Next LT Pro" panose="020B0504020202020204" pitchFamily="34" charset="0"/>
+              </a:rPr>
               <a:t>Vielen Dank für die Aufmerksamkeit!</a:t>
             </a:r>
           </a:p>
@@ -7505,7 +8082,9 @@
           <a:p>
             <a:pPr algn="l"/>
             <a:r>
-              <a:rPr lang="de-DE" sz="4000" dirty="0"/>
+              <a:rPr lang="de-DE" sz="4000" dirty="0">
+                <a:latin typeface="Avenir Next LT Pro" panose="020B0504020202020204" pitchFamily="34" charset="0"/>
+              </a:rPr>
               <a:t>Gliederung	</a:t>
             </a:r>
           </a:p>
@@ -7541,35 +8120,45 @@
           <a:p>
             <a:pPr rtl="0"/>
             <a:r>
-              <a:rPr lang="de-DE" sz="2400" dirty="0"/>
+              <a:rPr lang="de-DE" sz="2400" dirty="0">
+                <a:latin typeface="Avenir Next LT Pro" panose="020B0504020202020204" pitchFamily="34" charset="0"/>
+              </a:rPr>
               <a:t>Vorstellung der Idee</a:t>
             </a:r>
           </a:p>
           <a:p>
             <a:pPr rtl="0"/>
             <a:r>
-              <a:rPr lang="de-DE" sz="2400" dirty="0"/>
+              <a:rPr lang="de-DE" sz="2400" dirty="0">
+                <a:latin typeface="Avenir Next LT Pro" panose="020B0504020202020204" pitchFamily="34" charset="0"/>
+              </a:rPr>
               <a:t>Vorführung</a:t>
             </a:r>
           </a:p>
           <a:p>
             <a:pPr rtl="0"/>
             <a:r>
-              <a:rPr lang="de-DE" sz="2400" dirty="0"/>
+              <a:rPr lang="de-DE" sz="2400" dirty="0">
+                <a:latin typeface="Avenir Next LT Pro" panose="020B0504020202020204" pitchFamily="34" charset="0"/>
+              </a:rPr>
               <a:t>Arbeitstagebuch</a:t>
             </a:r>
           </a:p>
           <a:p>
             <a:pPr rtl="0"/>
             <a:r>
-              <a:rPr lang="de-DE" sz="2400" dirty="0"/>
+              <a:rPr lang="de-DE" sz="2400" dirty="0">
+                <a:latin typeface="Avenir Next LT Pro" panose="020B0504020202020204" pitchFamily="34" charset="0"/>
+              </a:rPr>
               <a:t>Alternativen und Machbarkeit</a:t>
             </a:r>
           </a:p>
           <a:p>
             <a:pPr rtl="0"/>
             <a:r>
-              <a:rPr lang="de-DE" sz="2400" dirty="0"/>
+              <a:rPr lang="de-DE" sz="2400" dirty="0">
+                <a:latin typeface="Avenir Next LT Pro" panose="020B0504020202020204" pitchFamily="34" charset="0"/>
+              </a:rPr>
               <a:t>Programm </a:t>
             </a:r>
           </a:p>
@@ -7577,11 +8166,15 @@
             <a:pPr marL="36900" indent="0" rtl="0">
               <a:buNone/>
             </a:pPr>
-            <a:endParaRPr lang="de-DE" sz="2400" dirty="0"/>
+            <a:endParaRPr lang="de-DE" sz="2400" dirty="0">
+              <a:latin typeface="Avenir Next LT Pro" panose="020B0504020202020204" pitchFamily="34" charset="0"/>
+            </a:endParaRPr>
           </a:p>
           <a:p>
             <a:pPr rtl="0"/>
-            <a:endParaRPr lang="de-DE" sz="2400" dirty="0"/>
+            <a:endParaRPr lang="de-DE" sz="2400" dirty="0">
+              <a:latin typeface="Avenir Next LT Pro" panose="020B0504020202020204" pitchFamily="34" charset="0"/>
+            </a:endParaRPr>
           </a:p>
         </p:txBody>
       </p:sp>
@@ -7673,7 +8266,9 @@
           <a:lstStyle/>
           <a:p>
             <a:r>
-              <a:rPr lang="de-DE" sz="2800" b="1" dirty="0"/>
+              <a:rPr lang="de-DE" sz="2800" b="1" dirty="0">
+                <a:latin typeface="Avenir Next LT Pro" panose="020B0504020202020204" pitchFamily="34" charset="0"/>
+              </a:rPr>
               <a:t>1. Vorstellung der Idee</a:t>
             </a:r>
           </a:p>
@@ -7756,6 +8351,7 @@
           <a:p>
             <a:r>
               <a:rPr lang="de-DE" sz="1100" dirty="0">
+                <a:latin typeface="Avenir Next LT Pro" panose="020B0504020202020204" pitchFamily="34" charset="0"/>
                 <a:hlinkClick r:id="rId3">
                   <a:extLst>
                     <a:ext uri="{A12FA001-AC4F-418D-AE19-62706E023703}">
@@ -7768,6 +8364,7 @@
             </a:r>
             <a:r>
               <a:rPr lang="de-DE" sz="1100" dirty="0" err="1">
+                <a:latin typeface="Avenir Next LT Pro" panose="020B0504020202020204" pitchFamily="34" charset="0"/>
                 <a:hlinkClick r:id="rId3">
                   <a:extLst>
                     <a:ext uri="{A12FA001-AC4F-418D-AE19-62706E023703}">
@@ -7780,6 +8377,7 @@
             </a:r>
             <a:r>
               <a:rPr lang="de-DE" sz="1100" dirty="0">
+                <a:latin typeface="Avenir Next LT Pro" panose="020B0504020202020204" pitchFamily="34" charset="0"/>
                 <a:hlinkClick r:id="rId3">
                   <a:extLst>
                     <a:ext uri="{A12FA001-AC4F-418D-AE19-62706E023703}">
@@ -7792,6 +8390,7 @@
             </a:r>
             <a:r>
               <a:rPr lang="de-DE" sz="1100" dirty="0" err="1">
+                <a:latin typeface="Avenir Next LT Pro" panose="020B0504020202020204" pitchFamily="34" charset="0"/>
                 <a:hlinkClick r:id="rId3">
                   <a:extLst>
                     <a:ext uri="{A12FA001-AC4F-418D-AE19-62706E023703}">
@@ -7804,6 +8403,7 @@
             </a:r>
             <a:r>
               <a:rPr lang="de-DE" sz="1100" dirty="0">
+                <a:latin typeface="Avenir Next LT Pro" panose="020B0504020202020204" pitchFamily="34" charset="0"/>
                 <a:hlinkClick r:id="rId3">
                   <a:extLst>
                     <a:ext uri="{A12FA001-AC4F-418D-AE19-62706E023703}">
@@ -7814,7 +8414,9 @@
               </a:rPr>
               <a:t> GmbH, Köln (dhuenn.com)</a:t>
             </a:r>
-            <a:endParaRPr lang="de-DE" sz="1100" dirty="0"/>
+            <a:endParaRPr lang="de-DE" sz="1100" dirty="0">
+              <a:latin typeface="Avenir Next LT Pro" panose="020B0504020202020204" pitchFamily="34" charset="0"/>
+            </a:endParaRPr>
           </a:p>
         </p:txBody>
       </p:sp>
@@ -7895,6 +8497,7 @@
           <a:p>
             <a:r>
               <a:rPr lang="de-DE" sz="1050" dirty="0">
+                <a:latin typeface="Avenir Next LT Pro" panose="020B0504020202020204" pitchFamily="34" charset="0"/>
                 <a:hlinkClick r:id="rId5">
                   <a:extLst>
                     <a:ext uri="{A12FA001-AC4F-418D-AE19-62706E023703}">
@@ -7907,6 +8510,7 @@
             </a:r>
             <a:r>
               <a:rPr lang="de-DE" sz="1050" dirty="0" err="1">
+                <a:latin typeface="Avenir Next LT Pro" panose="020B0504020202020204" pitchFamily="34" charset="0"/>
                 <a:hlinkClick r:id="rId5">
                   <a:extLst>
                     <a:ext uri="{A12FA001-AC4F-418D-AE19-62706E023703}">
@@ -7919,6 +8523,7 @@
             </a:r>
             <a:r>
               <a:rPr lang="de-DE" sz="1050" dirty="0">
+                <a:latin typeface="Avenir Next LT Pro" panose="020B0504020202020204" pitchFamily="34" charset="0"/>
                 <a:hlinkClick r:id="rId5">
                   <a:extLst>
                     <a:ext uri="{A12FA001-AC4F-418D-AE19-62706E023703}">
@@ -7929,7 +8534,9 @@
               </a:rPr>
               <a:t> Greifautomat | KMS Handels GmbH Shop (kms-handel-shop.de)</a:t>
             </a:r>
-            <a:endParaRPr lang="de-DE" sz="1050" dirty="0"/>
+            <a:endParaRPr lang="de-DE" sz="1050" dirty="0">
+              <a:latin typeface="Avenir Next LT Pro" panose="020B0504020202020204" pitchFamily="34" charset="0"/>
+            </a:endParaRPr>
           </a:p>
         </p:txBody>
       </p:sp>
@@ -7992,10 +8599,14 @@
           <a:lstStyle/>
           <a:p>
             <a:r>
-              <a:rPr lang="de-DE" sz="2800" b="1" dirty="0"/>
+              <a:rPr lang="de-DE" sz="2800" b="1" dirty="0">
+                <a:latin typeface="Avenir Next LT Pro" panose="020B0504020202020204" pitchFamily="34" charset="0"/>
+              </a:rPr>
               <a:t>3. Arbeitstagebuch</a:t>
             </a:r>
-            <a:endParaRPr lang="de-DE" sz="2400" b="1" dirty="0"/>
+            <a:endParaRPr lang="de-DE" sz="2400" b="1" dirty="0">
+              <a:latin typeface="Avenir Next LT Pro" panose="020B0504020202020204" pitchFamily="34" charset="0"/>
+            </a:endParaRPr>
           </a:p>
         </p:txBody>
       </p:sp>
@@ -8014,7 +8625,7 @@
         <p:spPr>
           <a:xfrm>
             <a:off x="1184986" y="794802"/>
-            <a:ext cx="8154955" cy="6063198"/>
+            <a:ext cx="8154955" cy="6709529"/>
           </a:xfrm>
           <a:prstGeom prst="rect">
             <a:avLst/>
@@ -8038,7 +8649,7 @@
             <a:r>
               <a:rPr lang="de-DE" sz="1400" dirty="0">
                 <a:effectLst/>
-                <a:latin typeface="Calibri" panose="020F0502020204030204" pitchFamily="34" charset="0"/>
+                <a:latin typeface="Avenir Next LT Pro" panose="020B0504020202020204" pitchFamily="34" charset="0"/>
                 <a:ea typeface="Calibri" panose="020F0502020204030204" pitchFamily="34" charset="0"/>
                 <a:cs typeface="Times New Roman" panose="02020603050405020304" pitchFamily="18" charset="0"/>
               </a:rPr>
@@ -8057,7 +8668,7 @@
             <a:r>
               <a:rPr lang="de-DE" sz="1400" dirty="0">
                 <a:effectLst/>
-                <a:latin typeface="Calibri" panose="020F0502020204030204" pitchFamily="34" charset="0"/>
+                <a:latin typeface="Avenir Next LT Pro" panose="020B0504020202020204" pitchFamily="34" charset="0"/>
                 <a:ea typeface="Calibri" panose="020F0502020204030204" pitchFamily="34" charset="0"/>
                 <a:cs typeface="Times New Roman" panose="02020603050405020304" pitchFamily="18" charset="0"/>
               </a:rPr>
@@ -8076,7 +8687,7 @@
             <a:r>
               <a:rPr lang="de-DE" sz="1400" dirty="0">
                 <a:effectLst/>
-                <a:latin typeface="Calibri" panose="020F0502020204030204" pitchFamily="34" charset="0"/>
+                <a:latin typeface="Avenir Next LT Pro" panose="020B0504020202020204" pitchFamily="34" charset="0"/>
                 <a:ea typeface="Calibri" panose="020F0502020204030204" pitchFamily="34" charset="0"/>
                 <a:cs typeface="Times New Roman" panose="02020603050405020304" pitchFamily="18" charset="0"/>
               </a:rPr>
@@ -8095,7 +8706,7 @@
             <a:r>
               <a:rPr lang="de-DE" sz="1400" dirty="0">
                 <a:effectLst/>
-                <a:latin typeface="Calibri" panose="020F0502020204030204" pitchFamily="34" charset="0"/>
+                <a:latin typeface="Avenir Next LT Pro" panose="020B0504020202020204" pitchFamily="34" charset="0"/>
                 <a:ea typeface="Calibri" panose="020F0502020204030204" pitchFamily="34" charset="0"/>
                 <a:cs typeface="Times New Roman" panose="02020603050405020304" pitchFamily="18" charset="0"/>
               </a:rPr>
@@ -8116,7 +8727,7 @@
             <a:r>
               <a:rPr lang="de-DE" sz="1400" dirty="0">
                 <a:effectLst/>
-                <a:latin typeface="Calibri" panose="020F0502020204030204" pitchFamily="34" charset="0"/>
+                <a:latin typeface="Avenir Next LT Pro" panose="020B0504020202020204" pitchFamily="34" charset="0"/>
                 <a:ea typeface="Calibri" panose="020F0502020204030204" pitchFamily="34" charset="0"/>
                 <a:cs typeface="Times New Roman" panose="02020603050405020304" pitchFamily="18" charset="0"/>
               </a:rPr>
@@ -8135,7 +8746,7 @@
             <a:r>
               <a:rPr lang="de-DE" sz="1400" dirty="0">
                 <a:effectLst/>
-                <a:latin typeface="Calibri" panose="020F0502020204030204" pitchFamily="34" charset="0"/>
+                <a:latin typeface="Avenir Next LT Pro" panose="020B0504020202020204" pitchFamily="34" charset="0"/>
                 <a:ea typeface="Calibri" panose="020F0502020204030204" pitchFamily="34" charset="0"/>
                 <a:cs typeface="Times New Roman" panose="02020603050405020304" pitchFamily="18" charset="0"/>
               </a:rPr>
@@ -8154,7 +8765,7 @@
             <a:r>
               <a:rPr lang="de-DE" sz="1400" dirty="0">
                 <a:effectLst/>
-                <a:latin typeface="Calibri" panose="020F0502020204030204" pitchFamily="34" charset="0"/>
+                <a:latin typeface="Avenir Next LT Pro" panose="020B0504020202020204" pitchFamily="34" charset="0"/>
                 <a:ea typeface="Calibri" panose="020F0502020204030204" pitchFamily="34" charset="0"/>
                 <a:cs typeface="Times New Roman" panose="02020603050405020304" pitchFamily="18" charset="0"/>
               </a:rPr>
@@ -8163,7 +8774,7 @@
             <a:r>
               <a:rPr lang="de-DE" sz="1400" dirty="0" err="1">
                 <a:effectLst/>
-                <a:latin typeface="Calibri" panose="020F0502020204030204" pitchFamily="34" charset="0"/>
+                <a:latin typeface="Avenir Next LT Pro" panose="020B0504020202020204" pitchFamily="34" charset="0"/>
                 <a:ea typeface="Calibri" panose="020F0502020204030204" pitchFamily="34" charset="0"/>
                 <a:cs typeface="Times New Roman" panose="02020603050405020304" pitchFamily="18" charset="0"/>
               </a:rPr>
@@ -8172,7 +8783,7 @@
             <a:r>
               <a:rPr lang="de-DE" sz="1400" dirty="0">
                 <a:effectLst/>
-                <a:latin typeface="Calibri" panose="020F0502020204030204" pitchFamily="34" charset="0"/>
+                <a:latin typeface="Avenir Next LT Pro" panose="020B0504020202020204" pitchFamily="34" charset="0"/>
                 <a:ea typeface="Calibri" panose="020F0502020204030204" pitchFamily="34" charset="0"/>
                 <a:cs typeface="Times New Roman" panose="02020603050405020304" pitchFamily="18" charset="0"/>
               </a:rPr>
@@ -8191,7 +8802,7 @@
             <a:r>
               <a:rPr lang="de-DE" sz="1400" dirty="0">
                 <a:effectLst/>
-                <a:latin typeface="Calibri" panose="020F0502020204030204" pitchFamily="34" charset="0"/>
+                <a:latin typeface="Avenir Next LT Pro" panose="020B0504020202020204" pitchFamily="34" charset="0"/>
                 <a:ea typeface="Calibri" panose="020F0502020204030204" pitchFamily="34" charset="0"/>
                 <a:cs typeface="Times New Roman" panose="02020603050405020304" pitchFamily="18" charset="0"/>
               </a:rPr>
@@ -8210,7 +8821,7 @@
             <a:r>
               <a:rPr lang="de-DE" sz="1400" dirty="0">
                 <a:effectLst/>
-                <a:latin typeface="Calibri" panose="020F0502020204030204" pitchFamily="34" charset="0"/>
+                <a:latin typeface="Avenir Next LT Pro" panose="020B0504020202020204" pitchFamily="34" charset="0"/>
                 <a:ea typeface="Calibri" panose="020F0502020204030204" pitchFamily="34" charset="0"/>
                 <a:cs typeface="Times New Roman" panose="02020603050405020304" pitchFamily="18" charset="0"/>
               </a:rPr>
@@ -8229,7 +8840,7 @@
             <a:r>
               <a:rPr lang="de-DE" sz="1400" dirty="0">
                 <a:effectLst/>
-                <a:latin typeface="Calibri" panose="020F0502020204030204" pitchFamily="34" charset="0"/>
+                <a:latin typeface="Avenir Next LT Pro" panose="020B0504020202020204" pitchFamily="34" charset="0"/>
                 <a:ea typeface="Calibri" panose="020F0502020204030204" pitchFamily="34" charset="0"/>
                 <a:cs typeface="Times New Roman" panose="02020603050405020304" pitchFamily="18" charset="0"/>
               </a:rPr>
@@ -8248,7 +8859,7 @@
             <a:r>
               <a:rPr lang="de-DE" sz="1400" dirty="0">
                 <a:effectLst/>
-                <a:latin typeface="Calibri" panose="020F0502020204030204" pitchFamily="34" charset="0"/>
+                <a:latin typeface="Avenir Next LT Pro" panose="020B0504020202020204" pitchFamily="34" charset="0"/>
                 <a:ea typeface="Calibri" panose="020F0502020204030204" pitchFamily="34" charset="0"/>
                 <a:cs typeface="Times New Roman" panose="02020603050405020304" pitchFamily="18" charset="0"/>
               </a:rPr>
@@ -8267,7 +8878,7 @@
             <a:r>
               <a:rPr lang="de-DE" sz="1400" dirty="0">
                 <a:effectLst/>
-                <a:latin typeface="Calibri" panose="020F0502020204030204" pitchFamily="34" charset="0"/>
+                <a:latin typeface="Avenir Next LT Pro" panose="020B0504020202020204" pitchFamily="34" charset="0"/>
                 <a:ea typeface="Calibri" panose="020F0502020204030204" pitchFamily="34" charset="0"/>
                 <a:cs typeface="Times New Roman" panose="02020603050405020304" pitchFamily="18" charset="0"/>
               </a:rPr>
@@ -8275,7 +8886,9 @@
             </a:r>
           </a:p>
           <a:p>
-            <a:endParaRPr lang="de-DE" sz="1400" dirty="0"/>
+            <a:endParaRPr lang="de-DE" sz="1400" dirty="0">
+              <a:latin typeface="Avenir Next LT Pro" panose="020B0504020202020204" pitchFamily="34" charset="0"/>
+            </a:endParaRPr>
           </a:p>
         </p:txBody>
       </p:sp>
@@ -8323,8 +8936,8 @@
         </p:nvSpPr>
         <p:spPr>
           <a:xfrm>
-            <a:off x="1096347" y="2767280"/>
-            <a:ext cx="9999306" cy="1323439"/>
+            <a:off x="776074" y="2742113"/>
+            <a:ext cx="10639851" cy="1200329"/>
           </a:xfrm>
           <a:prstGeom prst="rect">
             <a:avLst/>
@@ -8338,7 +8951,9 @@
           <a:lstStyle/>
           <a:p>
             <a:r>
-              <a:rPr lang="de-DE" sz="8000" b="1" dirty="0"/>
+              <a:rPr lang="de-DE" sz="7200" b="1" dirty="0">
+                <a:latin typeface="Avenir Next LT Pro" panose="020B0504020202020204" pitchFamily="34" charset="0"/>
+              </a:rPr>
               <a:t>4. Fortschritt des Baues </a:t>
             </a:r>
           </a:p>
@@ -9466,21 +10081,21 @@
 </file>
 
 <file path=customXml/item1.xml><?xml version="1.0" encoding="utf-8"?>
+<p:properties xmlns:p="http://schemas.microsoft.com/office/2006/metadata/properties" xmlns:xsi="http://www.w3.org/2001/XMLSchema-instance" xmlns:pc="http://schemas.microsoft.com/office/infopath/2007/PartnerControls">
+  <documentManagement>
+    <Status xmlns="71af3243-3dd4-4a8d-8c0d-dd76da1f02a5">Not started</Status>
+    <MediaServiceKeyPoints xmlns="71af3243-3dd4-4a8d-8c0d-dd76da1f02a5" xsi:nil="true"/>
+  </documentManagement>
+</p:properties>
+</file>
+
+<file path=customXml/item2.xml><?xml version="1.0" encoding="utf-8"?>
 <?mso-contentType ?>
 <FormTemplates xmlns="http://schemas.microsoft.com/sharepoint/v3/contenttype/forms">
   <Display>DocumentLibraryForm</Display>
   <Edit>DocumentLibraryForm</Edit>
   <New>DocumentLibraryForm</New>
 </FormTemplates>
-</file>
-
-<file path=customXml/item2.xml><?xml version="1.0" encoding="utf-8"?>
-<p:properties xmlns:p="http://schemas.microsoft.com/office/2006/metadata/properties" xmlns:xsi="http://www.w3.org/2001/XMLSchema-instance" xmlns:pc="http://schemas.microsoft.com/office/infopath/2007/PartnerControls">
-  <documentManagement>
-    <Status xmlns="71af3243-3dd4-4a8d-8c0d-dd76da1f02a5">Not started</Status>
-    <MediaServiceKeyPoints xmlns="71af3243-3dd4-4a8d-8c0d-dd76da1f02a5" xsi:nil="true"/>
-  </documentManagement>
-</p:properties>
 </file>
 
 <file path=customXml/item3.xml><?xml version="1.0" encoding="utf-8"?>
@@ -9705,19 +10320,19 @@
 </file>
 
 <file path=customXml/itemProps1.xml><?xml version="1.0" encoding="utf-8"?>
-<ds:datastoreItem xmlns:ds="http://schemas.openxmlformats.org/officeDocument/2006/customXml" ds:itemID="{64B270AB-C138-415C-897E-3C24487DECF1}">
+<ds:datastoreItem xmlns:ds="http://schemas.openxmlformats.org/officeDocument/2006/customXml" ds:itemID="{2C4C00F4-06E9-43E3-AD97-88A857CEFA82}">
   <ds:schemaRefs>
-    <ds:schemaRef ds:uri="http://schemas.microsoft.com/sharepoint/v3/contenttype/forms"/>
+    <ds:schemaRef ds:uri="http://schemas.microsoft.com/office/2006/metadata/properties"/>
+    <ds:schemaRef ds:uri="http://schemas.microsoft.com/office/infopath/2007/PartnerControls"/>
+    <ds:schemaRef ds:uri="71af3243-3dd4-4a8d-8c0d-dd76da1f02a5"/>
   </ds:schemaRefs>
 </ds:datastoreItem>
 </file>
 
 <file path=customXml/itemProps2.xml><?xml version="1.0" encoding="utf-8"?>
-<ds:datastoreItem xmlns:ds="http://schemas.openxmlformats.org/officeDocument/2006/customXml" ds:itemID="{2C4C00F4-06E9-43E3-AD97-88A857CEFA82}">
+<ds:datastoreItem xmlns:ds="http://schemas.openxmlformats.org/officeDocument/2006/customXml" ds:itemID="{64B270AB-C138-415C-897E-3C24487DECF1}">
   <ds:schemaRefs>
-    <ds:schemaRef ds:uri="http://schemas.microsoft.com/office/2006/metadata/properties"/>
-    <ds:schemaRef ds:uri="http://schemas.microsoft.com/office/infopath/2007/PartnerControls"/>
-    <ds:schemaRef ds:uri="71af3243-3dd4-4a8d-8c0d-dd76da1f02a5"/>
+    <ds:schemaRef ds:uri="http://schemas.microsoft.com/sharepoint/v3/contenttype/forms"/>
   </ds:schemaRefs>
 </ds:datastoreItem>
 </file>
